--- a/Affiches/Affiche2.pptx
+++ b/Affiches/Affiche2.pptx
@@ -330,7 +330,7 @@
             <a:fld id="{BC40DF82-ECAE-41D8-8C5A-839C830781BB}" type="datetimeFigureOut">
               <a:rPr lang="fr-FR" smtClean="0"/>
               <a:pPr/>
-              <a:t>27/03/2014</a:t>
+              <a:t>29/03/2014</a:t>
             </a:fld>
             <a:endParaRPr lang="fr-FR"/>
           </a:p>
@@ -663,7 +663,7 @@
             <a:fld id="{BC40DF82-ECAE-41D8-8C5A-839C830781BB}" type="datetimeFigureOut">
               <a:rPr lang="fr-FR" smtClean="0"/>
               <a:pPr/>
-              <a:t>27/03/2014</a:t>
+              <a:t>29/03/2014</a:t>
             </a:fld>
             <a:endParaRPr lang="fr-FR"/>
           </a:p>
@@ -997,7 +997,7 @@
             <a:fld id="{BC40DF82-ECAE-41D8-8C5A-839C830781BB}" type="datetimeFigureOut">
               <a:rPr lang="fr-FR" smtClean="0"/>
               <a:pPr/>
-              <a:t>27/03/2014</a:t>
+              <a:t>29/03/2014</a:t>
             </a:fld>
             <a:endParaRPr lang="fr-FR"/>
           </a:p>
@@ -1331,7 +1331,7 @@
             <a:fld id="{BC40DF82-ECAE-41D8-8C5A-839C830781BB}" type="datetimeFigureOut">
               <a:rPr lang="fr-FR" smtClean="0"/>
               <a:pPr/>
-              <a:t>27/03/2014</a:t>
+              <a:t>29/03/2014</a:t>
             </a:fld>
             <a:endParaRPr lang="fr-FR"/>
           </a:p>
@@ -2022,7 +2022,7 @@
             <a:fld id="{BC40DF82-ECAE-41D8-8C5A-839C830781BB}" type="datetimeFigureOut">
               <a:rPr lang="fr-FR" smtClean="0"/>
               <a:pPr/>
-              <a:t>27/03/2014</a:t>
+              <a:t>29/03/2014</a:t>
             </a:fld>
             <a:endParaRPr lang="fr-FR"/>
           </a:p>
@@ -2203,7 +2203,7 @@
             <a:fld id="{BC40DF82-ECAE-41D8-8C5A-839C830781BB}" type="datetimeFigureOut">
               <a:rPr lang="fr-FR" smtClean="0"/>
               <a:pPr/>
-              <a:t>27/03/2014</a:t>
+              <a:t>29/03/2014</a:t>
             </a:fld>
             <a:endParaRPr lang="fr-FR"/>
           </a:p>
@@ -2379,7 +2379,7 @@
             <a:fld id="{BC40DF82-ECAE-41D8-8C5A-839C830781BB}" type="datetimeFigureOut">
               <a:rPr lang="fr-FR" smtClean="0"/>
               <a:pPr/>
-              <a:t>27/03/2014</a:t>
+              <a:t>29/03/2014</a:t>
             </a:fld>
             <a:endParaRPr lang="fr-FR"/>
           </a:p>
@@ -2629,7 +2629,7 @@
             <a:fld id="{BC40DF82-ECAE-41D8-8C5A-839C830781BB}" type="datetimeFigureOut">
               <a:rPr lang="fr-FR" smtClean="0"/>
               <a:pPr/>
-              <a:t>27/03/2014</a:t>
+              <a:t>29/03/2014</a:t>
             </a:fld>
             <a:endParaRPr lang="fr-FR"/>
           </a:p>
@@ -2961,7 +2961,7 @@
             <a:fld id="{BC40DF82-ECAE-41D8-8C5A-839C830781BB}" type="datetimeFigureOut">
               <a:rPr lang="fr-FR" smtClean="0"/>
               <a:pPr/>
-              <a:t>27/03/2014</a:t>
+              <a:t>29/03/2014</a:t>
             </a:fld>
             <a:endParaRPr lang="fr-FR"/>
           </a:p>
@@ -3255,7 +3255,7 @@
             <a:fld id="{BC40DF82-ECAE-41D8-8C5A-839C830781BB}" type="datetimeFigureOut">
               <a:rPr lang="fr-FR" smtClean="0"/>
               <a:pPr/>
-              <a:t>27/03/2014</a:t>
+              <a:t>29/03/2014</a:t>
             </a:fld>
             <a:endParaRPr lang="fr-FR"/>
           </a:p>
@@ -3693,7 +3693,7 @@
             <a:fld id="{BC40DF82-ECAE-41D8-8C5A-839C830781BB}" type="datetimeFigureOut">
               <a:rPr lang="fr-FR" smtClean="0"/>
               <a:pPr/>
-              <a:t>27/03/2014</a:t>
+              <a:t>29/03/2014</a:t>
             </a:fld>
             <a:endParaRPr lang="fr-FR"/>
           </a:p>
@@ -3882,7 +3882,7 @@
             <a:fld id="{BC40DF82-ECAE-41D8-8C5A-839C830781BB}" type="datetimeFigureOut">
               <a:rPr lang="fr-FR" smtClean="0"/>
               <a:pPr/>
-              <a:t>27/03/2014</a:t>
+              <a:t>29/03/2014</a:t>
             </a:fld>
             <a:endParaRPr lang="fr-FR"/>
           </a:p>
@@ -3974,7 +3974,7 @@
             <a:fld id="{BC40DF82-ECAE-41D8-8C5A-839C830781BB}" type="datetimeFigureOut">
               <a:rPr lang="fr-FR" smtClean="0"/>
               <a:pPr/>
-              <a:t>27/03/2014</a:t>
+              <a:t>29/03/2014</a:t>
             </a:fld>
             <a:endParaRPr lang="fr-FR"/>
           </a:p>
@@ -4257,7 +4257,7 @@
             <a:fld id="{BC40DF82-ECAE-41D8-8C5A-839C830781BB}" type="datetimeFigureOut">
               <a:rPr lang="fr-FR" smtClean="0"/>
               <a:pPr/>
-              <a:t>27/03/2014</a:t>
+              <a:t>29/03/2014</a:t>
             </a:fld>
             <a:endParaRPr lang="fr-FR"/>
           </a:p>
@@ -4474,7 +4474,7 @@
             <a:fld id="{BC40DF82-ECAE-41D8-8C5A-839C830781BB}" type="datetimeFigureOut">
               <a:rPr lang="fr-FR" smtClean="0"/>
               <a:pPr/>
-              <a:t>27/03/2014</a:t>
+              <a:t>29/03/2014</a:t>
             </a:fld>
             <a:endParaRPr lang="fr-FR"/>
           </a:p>
@@ -5043,7 +5043,27 @@
           <a:p>
             <a:r>
               <a:rPr lang="fr-FR" sz="1200" dirty="0" smtClean="0"/>
-              <a:t>Ingénierie des Systèmes et Traitement de l’information</a:t>
+              <a:t>Ingénierie des </a:t>
+            </a:r>
+            <a:r>
+              <a:rPr lang="fr-FR" sz="1200" dirty="0" smtClean="0"/>
+              <a:t>systèmes </a:t>
+            </a:r>
+            <a:r>
+              <a:rPr lang="fr-FR" sz="1200" dirty="0" smtClean="0"/>
+              <a:t>et </a:t>
+            </a:r>
+            <a:r>
+              <a:rPr lang="fr-FR" sz="1200" dirty="0"/>
+              <a:t>t</a:t>
+            </a:r>
+            <a:r>
+              <a:rPr lang="fr-FR" sz="1200" dirty="0" smtClean="0"/>
+              <a:t>raitements </a:t>
+            </a:r>
+            <a:r>
+              <a:rPr lang="fr-FR" sz="1200" dirty="0" smtClean="0"/>
+              <a:t>de l’information</a:t>
             </a:r>
             <a:endParaRPr lang="fr-FR" sz="1200" dirty="0"/>
           </a:p>
@@ -5078,8 +5098,16 @@
           </a:p>
           <a:p>
             <a:r>
+              <a:rPr lang="fr-FR" sz="1200" dirty="0"/>
+              <a:t>T</a:t>
+            </a:r>
+            <a:r>
               <a:rPr lang="fr-FR" sz="1200" dirty="0" smtClean="0"/>
-              <a:t>Informatique technologies émergentes</a:t>
+              <a:t>echnologies </a:t>
+            </a:r>
+            <a:r>
+              <a:rPr lang="fr-FR" sz="1200" dirty="0" smtClean="0"/>
+              <a:t>émergentes</a:t>
             </a:r>
             <a:endParaRPr lang="fr-FR" sz="1200" dirty="0"/>
           </a:p>
@@ -5409,7 +5437,23 @@
           <a:p>
             <a:r>
               <a:rPr lang="fr-FR" sz="1200" dirty="0" smtClean="0"/>
-              <a:t>Ingénierie des Systèmes et Traitement de l’information</a:t>
+              <a:t>Ingénierie des </a:t>
+            </a:r>
+            <a:r>
+              <a:rPr lang="fr-FR" sz="1200" dirty="0" smtClean="0"/>
+              <a:t>systèmes </a:t>
+            </a:r>
+            <a:r>
+              <a:rPr lang="fr-FR" sz="1200" dirty="0" smtClean="0"/>
+              <a:t>et </a:t>
+            </a:r>
+            <a:r>
+              <a:rPr lang="fr-FR" sz="1200" dirty="0" smtClean="0"/>
+              <a:t>traitement </a:t>
+            </a:r>
+            <a:r>
+              <a:rPr lang="fr-FR" sz="1200" dirty="0" smtClean="0"/>
+              <a:t>de l’information</a:t>
             </a:r>
             <a:endParaRPr lang="fr-FR" sz="1200" dirty="0"/>
           </a:p>
@@ -5444,8 +5488,16 @@
           </a:p>
           <a:p>
             <a:r>
+              <a:rPr lang="fr-FR" sz="1200" dirty="0"/>
+              <a:t>T</a:t>
+            </a:r>
+            <a:r>
               <a:rPr lang="fr-FR" sz="1200" dirty="0" smtClean="0"/>
-              <a:t>Informatique technologies émergentes</a:t>
+              <a:t>echnologies </a:t>
+            </a:r>
+            <a:r>
+              <a:rPr lang="fr-FR" sz="1200" dirty="0" smtClean="0"/>
+              <a:t>émergentes</a:t>
             </a:r>
             <a:endParaRPr lang="fr-FR" sz="1200" dirty="0"/>
           </a:p>
@@ -5726,7 +5778,73 @@
                 </a:effectLst>
                 <a:latin typeface="+mj-lt"/>
               </a:rPr>
-              <a:t>Utilisation d'une méthode de calcul heuristique, qui nous a permis d’obtenir une solution réalisable mais non nécessairement optimale ou exacte.</a:t>
+              <a:t>Utilisation d'une méthode de calcul heuristique, qui nous a permis d’obtenir une solution réalisable </a:t>
+            </a:r>
+            <a:r>
+              <a:rPr lang="fr-FR" sz="1400" smtClean="0">
+                <a:ln w="18415" cmpd="sng">
+                  <a:solidFill>
+                    <a:srgbClr val="FFFFFF"/>
+                  </a:solidFill>
+                  <a:prstDash val="solid"/>
+                </a:ln>
+                <a:solidFill>
+                  <a:srgbClr val="FFFFFF"/>
+                </a:solidFill>
+                <a:effectLst>
+                  <a:outerShdw blurRad="63500" dir="3600000" algn="tl" rotWithShape="0">
+                    <a:srgbClr val="000000">
+                      <a:alpha val="70000"/>
+                    </a:srgbClr>
+                  </a:outerShdw>
+                </a:effectLst>
+                <a:latin typeface="+mj-lt"/>
+              </a:rPr>
+              <a:t>mais </a:t>
+            </a:r>
+            <a:r>
+              <a:rPr lang="fr-FR" sz="1400" smtClean="0">
+                <a:ln w="18415" cmpd="sng">
+                  <a:solidFill>
+                    <a:srgbClr val="FFFFFF"/>
+                  </a:solidFill>
+                  <a:prstDash val="solid"/>
+                </a:ln>
+                <a:solidFill>
+                  <a:srgbClr val="FFFFFF"/>
+                </a:solidFill>
+                <a:effectLst>
+                  <a:outerShdw blurRad="63500" dir="3600000" algn="tl" rotWithShape="0">
+                    <a:srgbClr val="000000">
+                      <a:alpha val="70000"/>
+                    </a:srgbClr>
+                  </a:outerShdw>
+                </a:effectLst>
+                <a:latin typeface="+mj-lt"/>
+              </a:rPr>
+              <a:t>pas nécessairement </a:t>
+            </a:r>
+            <a:r>
+              <a:rPr lang="fr-FR" sz="1400" dirty="0" smtClean="0">
+                <a:ln w="18415" cmpd="sng">
+                  <a:solidFill>
+                    <a:srgbClr val="FFFFFF"/>
+                  </a:solidFill>
+                  <a:prstDash val="solid"/>
+                </a:ln>
+                <a:solidFill>
+                  <a:srgbClr val="FFFFFF"/>
+                </a:solidFill>
+                <a:effectLst>
+                  <a:outerShdw blurRad="63500" dir="3600000" algn="tl" rotWithShape="0">
+                    <a:srgbClr val="000000">
+                      <a:alpha val="70000"/>
+                    </a:srgbClr>
+                  </a:outerShdw>
+                </a:effectLst>
+                <a:latin typeface="+mj-lt"/>
+              </a:rPr>
+              <a:t>optimale ou exacte.</a:t>
             </a:r>
             <a:endParaRPr lang="fr-FR" sz="1400" dirty="0">
               <a:ln w="18415" cmpd="sng">
@@ -5819,25 +5937,6 @@
               </a:rPr>
               <a:t>De plus, il a été conçu de manière générique, et pourrait donc constituer un outil complet pour la création d’emplois du temps dans d’autres écoles.</a:t>
             </a:r>
-            <a:endParaRPr lang="fr-FR" sz="1400" dirty="0">
-              <a:ln w="18415" cmpd="sng">
-                <a:solidFill>
-                  <a:srgbClr val="FFFFFF"/>
-                </a:solidFill>
-                <a:prstDash val="solid"/>
-              </a:ln>
-              <a:solidFill>
-                <a:srgbClr val="FFFFFF"/>
-              </a:solidFill>
-              <a:effectLst>
-                <a:outerShdw blurRad="63500" dir="3600000" algn="tl" rotWithShape="0">
-                  <a:srgbClr val="000000">
-                    <a:alpha val="70000"/>
-                  </a:srgbClr>
-                </a:outerShdw>
-              </a:effectLst>
-              <a:latin typeface="+mj-lt"/>
-            </a:endParaRPr>
           </a:p>
         </p:txBody>
       </p:sp>
@@ -5876,7 +5975,22 @@
                 </a:solidFill>
                 <a:effectLst/>
               </a:rPr>
-              <a:t>Contexte &amp; objectifs</a:t>
+              <a:t>Contexte &amp; </a:t>
+            </a:r>
+            <a:r>
+              <a:rPr lang="fr-FR" dirty="0" smtClean="0">
+                <a:ln w="18415" cmpd="sng">
+                  <a:solidFill>
+                    <a:srgbClr val="3366FF"/>
+                  </a:solidFill>
+                  <a:prstDash val="solid"/>
+                </a:ln>
+                <a:solidFill>
+                  <a:srgbClr val="FFFFFF"/>
+                </a:solidFill>
+                <a:effectLst/>
+              </a:rPr>
+              <a:t>objectif</a:t>
             </a:r>
             <a:endParaRPr lang="fr-FR" dirty="0">
               <a:ln w="18415" cmpd="sng">
